--- a/Защита проекта Антонова.pptx
+++ b/Защита проекта Антонова.pptx
@@ -16,7 +16,8 @@
     <p:sldId id="265" r:id="rId10"/>
     <p:sldId id="270" r:id="rId11"/>
     <p:sldId id="268" r:id="rId12"/>
-    <p:sldId id="269" r:id="rId13"/>
+    <p:sldId id="271" r:id="rId13"/>
+    <p:sldId id="269" r:id="rId14"/>
   </p:sldIdLst>
   <p:sldSz cx="12192000" cy="6858000"/>
   <p:notesSz cx="6858000" cy="9144000"/>
@@ -12881,6 +12882,112 @@
           <a:chExt cx="0" cy="0"/>
         </a:xfrm>
       </p:grpSpPr>
+      <p:pic>
+        <p:nvPicPr>
+          <p:cNvPr id="4" name="Рисунок 3">
+            <a:extLst>
+              <a:ext uri="{FF2B5EF4-FFF2-40B4-BE49-F238E27FC236}">
+                <a16:creationId xmlns:a16="http://schemas.microsoft.com/office/drawing/2014/main" id="{22D9B08D-BCC2-4296-9FEE-94B4F75519A6}"/>
+              </a:ext>
+            </a:extLst>
+          </p:cNvPr>
+          <p:cNvPicPr>
+            <a:picLocks noChangeAspect="1"/>
+          </p:cNvPicPr>
+          <p:nvPr/>
+        </p:nvPicPr>
+        <p:blipFill>
+          <a:blip r:embed="rId2"/>
+          <a:stretch>
+            <a:fillRect/>
+          </a:stretch>
+        </p:blipFill>
+        <p:spPr>
+          <a:xfrm>
+            <a:off x="3368680" y="1404595"/>
+            <a:ext cx="5158897" cy="4267470"/>
+          </a:xfrm>
+          <a:prstGeom prst="rect">
+            <a:avLst/>
+          </a:prstGeom>
+        </p:spPr>
+      </p:pic>
+      <p:sp>
+        <p:nvSpPr>
+          <p:cNvPr id="6" name="TextBox 5">
+            <a:extLst>
+              <a:ext uri="{FF2B5EF4-FFF2-40B4-BE49-F238E27FC236}">
+                <a16:creationId xmlns:a16="http://schemas.microsoft.com/office/drawing/2014/main" id="{230BDC0B-00E1-4A80-805E-4DD77AD16101}"/>
+              </a:ext>
+            </a:extLst>
+          </p:cNvPr>
+          <p:cNvSpPr txBox="1"/>
+          <p:nvPr/>
+        </p:nvSpPr>
+        <p:spPr>
+          <a:xfrm>
+            <a:off x="3744563" y="135847"/>
+            <a:ext cx="4407129" cy="584775"/>
+          </a:xfrm>
+          <a:prstGeom prst="rect">
+            <a:avLst/>
+          </a:prstGeom>
+          <a:noFill/>
+        </p:spPr>
+        <p:txBody>
+          <a:bodyPr wrap="square">
+            <a:spAutoFit/>
+          </a:bodyPr>
+          <a:lstStyle/>
+          <a:p>
+            <a:pPr algn="ctr"/>
+            <a:r>
+              <a:rPr lang="en-US" sz="3200" b="1" dirty="0" err="1">
+                <a:latin typeface="Times New Roman" panose="02020603050405020304" pitchFamily="18" charset="0"/>
+                <a:cs typeface="Times New Roman" panose="02020603050405020304" pitchFamily="18" charset="0"/>
+              </a:rPr>
+              <a:t>Qr</a:t>
+            </a:r>
+            <a:r>
+              <a:rPr lang="ru-RU" sz="3200" b="1" dirty="0">
+                <a:latin typeface="Times New Roman" panose="02020603050405020304" pitchFamily="18" charset="0"/>
+                <a:cs typeface="Times New Roman" panose="02020603050405020304" pitchFamily="18" charset="0"/>
+              </a:rPr>
+              <a:t>-код</a:t>
+            </a:r>
+          </a:p>
+        </p:txBody>
+      </p:sp>
+    </p:spTree>
+    <p:extLst>
+      <p:ext uri="{BB962C8B-B14F-4D97-AF65-F5344CB8AC3E}">
+        <p14:creationId xmlns:p14="http://schemas.microsoft.com/office/powerpoint/2010/main" val="321611942"/>
+      </p:ext>
+    </p:extLst>
+  </p:cSld>
+  <p:clrMapOvr>
+    <a:masterClrMapping/>
+  </p:clrMapOvr>
+</p:sld>
+</file>
+
+<file path=ppt/slides/slide13.xml><?xml version="1.0" encoding="utf-8"?>
+<p:sld xmlns:a="http://schemas.openxmlformats.org/drawingml/2006/main" xmlns:r="http://schemas.openxmlformats.org/officeDocument/2006/relationships" xmlns:p="http://schemas.openxmlformats.org/presentationml/2006/main">
+  <p:cSld>
+    <p:spTree>
+      <p:nvGrpSpPr>
+        <p:cNvPr id="1" name=""/>
+        <p:cNvGrpSpPr/>
+        <p:nvPr/>
+      </p:nvGrpSpPr>
+      <p:grpSpPr>
+        <a:xfrm>
+          <a:off x="0" y="0"/>
+          <a:ext cx="0" cy="0"/>
+          <a:chOff x="0" y="0"/>
+          <a:chExt cx="0" cy="0"/>
+        </a:xfrm>
+      </p:grpSpPr>
       <p:sp>
         <p:nvSpPr>
           <p:cNvPr id="4" name="TextBox 3">
@@ -13263,10 +13370,10 @@
       </p:sp>
       <p:pic>
         <p:nvPicPr>
-          <p:cNvPr id="3" name="Рисунок 2">
+          <p:cNvPr id="5" name="Рисунок 4">
             <a:extLst>
               <a:ext uri="{FF2B5EF4-FFF2-40B4-BE49-F238E27FC236}">
-                <a16:creationId xmlns:a16="http://schemas.microsoft.com/office/drawing/2014/main" id="{425E916F-323D-425C-9E5C-7290321EE775}"/>
+                <a16:creationId xmlns:a16="http://schemas.microsoft.com/office/drawing/2014/main" id="{DEB3DD75-994D-4EB9-804F-4F32D9E483C9}"/>
               </a:ext>
             </a:extLst>
           </p:cNvPr>
@@ -13283,8 +13390,8 @@
         </p:blipFill>
         <p:spPr>
           <a:xfrm>
-            <a:off x="3425000" y="1296558"/>
-            <a:ext cx="5341999" cy="5289050"/>
+            <a:off x="3214540" y="1252525"/>
+            <a:ext cx="5250856" cy="5256684"/>
           </a:xfrm>
           <a:prstGeom prst="rect">
             <a:avLst/>
